--- a/présentation Projet.pptx
+++ b/présentation Projet.pptx
@@ -5814,7 +5814,7 @@
                 <a:ea typeface="Verdana" panose="020B0604030504040204" pitchFamily="34" charset="0"/>
                 <a:cs typeface="Verdana" panose="020B0604030504040204" pitchFamily="34" charset="0"/>
               </a:rPr>
-              <a:t>Le protocole DHCP sert à donner dynamiquement les adresses IP aux équipements: </a:t>
+              <a:t>Le protocole DHCP sert à donner dynamiquement les adresses IP aux équipements réseaux: </a:t>
             </a:r>
           </a:p>
         </p:txBody>
@@ -8175,7 +8175,7 @@
                 <a:ea typeface="Verdana" panose="020B0604030504040204" pitchFamily="34" charset="0"/>
                 <a:cs typeface="Verdana" panose="020B0604030504040204" pitchFamily="34" charset="0"/>
               </a:rPr>
-              <a:t>Le protocole OSPF est un algorithme de routage qui permet de trouver le meilleur chemin: </a:t>
+              <a:t>Le protocole OSPF est un protocole de routage dynamique qui permet de trouver le meilleur chemin: </a:t>
             </a:r>
           </a:p>
         </p:txBody>
@@ -10196,7 +10196,7 @@
         <p:spPr>
           <a:xfrm>
             <a:off x="1297366" y="4400239"/>
-            <a:ext cx="2691323" cy="1169551"/>
+            <a:ext cx="2691323" cy="1384995"/>
           </a:xfrm>
           <a:prstGeom prst="rect">
             <a:avLst/>
@@ -10222,7 +10222,7 @@
                 <a:latin typeface="Verdana" panose="020B0604030504040204" pitchFamily="34" charset="0"/>
                 <a:ea typeface="Verdana" panose="020B0604030504040204" pitchFamily="34" charset="0"/>
               </a:rPr>
-              <a:t>est un appareil de protection du réseau qui surveille le trafic entrant et sortant et décide d'autoriser ou de bloquer :</a:t>
+              <a:t>est un appareil de protection du réseau qui surveille le trafic entrant et sortant et décide de l’autoriser ou de le bloquer :</a:t>
             </a:r>
           </a:p>
         </p:txBody>
@@ -11559,7 +11559,7 @@
         <p:spPr>
           <a:xfrm>
             <a:off x="2658334" y="2452472"/>
-            <a:ext cx="5037866" cy="1600438"/>
+            <a:ext cx="5037866" cy="1815882"/>
           </a:xfrm>
           <a:prstGeom prst="rect">
             <a:avLst/>
@@ -11578,7 +11578,7 @@
                 <a:ea typeface="Verdana" panose="020B0604030504040204" pitchFamily="34" charset="0"/>
                 <a:cs typeface="Verdana" panose="020B0604030504040204" pitchFamily="34" charset="0"/>
               </a:rPr>
-              <a:t>Point à améliorer :</a:t>
+              <a:t>Les points à améliorer :</a:t>
             </a:r>
           </a:p>
           <a:p>
@@ -11592,7 +11592,7 @@
                 <a:ea typeface="Verdana" panose="020B0604030504040204" pitchFamily="34" charset="0"/>
                 <a:cs typeface="Verdana" panose="020B0604030504040204" pitchFamily="34" charset="0"/>
               </a:rPr>
-              <a:t>Pare-feu du Datacenter</a:t>
+              <a:t>Installer un Pare-feu «nouvelle génération » pour le Datacenter</a:t>
             </a:r>
           </a:p>
           <a:p>
@@ -11625,7 +11625,7 @@
                 <a:ea typeface="Verdana" panose="020B0604030504040204" pitchFamily="34" charset="0"/>
                 <a:cs typeface="Verdana" panose="020B0604030504040204" pitchFamily="34" charset="0"/>
               </a:rPr>
-              <a:t>Sécurité encore plus renforcer                     			</a:t>
+              <a:t>Renforcer la sécurité                    			</a:t>
             </a:r>
           </a:p>
           <a:p>
@@ -12171,7 +12171,7 @@
             </a:pPr>
             <a:r>
               <a:rPr lang="fr-FR" dirty="0"/>
-              <a:t>Un réseau principale qui contient un réseau sécuriser respectant le cahier des charges</a:t>
+              <a:t>Un réseau principal qui contient un réseau sécurisé respectant le cahier des charges</a:t>
             </a:r>
           </a:p>
           <a:p>
@@ -12188,7 +12188,7 @@
             </a:pPr>
             <a:r>
               <a:rPr lang="fr-FR" dirty="0"/>
-              <a:t>Un réseau secondaire dérivé du site principale qui as un autre cahier des charges </a:t>
+              <a:t>Un réseau secondaire dérivé du site principale qui a un autre cahier des charges </a:t>
             </a:r>
           </a:p>
           <a:p>
@@ -12205,7 +12205,7 @@
             </a:pPr>
             <a:r>
               <a:rPr lang="fr-FR" dirty="0"/>
-              <a:t>Une agence dont le réseau est moins critique à sécuriser qui est connecter à son propre datacenter</a:t>
+              <a:t>Une agence dont le réseau est moins critique à sécuriser qui est connecté à son propre datacenter</a:t>
             </a:r>
           </a:p>
           <a:p>
@@ -12669,7 +12669,7 @@
                 <a:ea typeface="Verdana" panose="020B0604030504040204" pitchFamily="34" charset="0"/>
                 <a:cs typeface="Verdana" panose="020B0604030504040204" pitchFamily="34" charset="0"/>
               </a:rPr>
-              <a:t>Bâtiment principale </a:t>
+              <a:t>Bâtiment principal </a:t>
             </a:r>
           </a:p>
         </p:txBody>
@@ -22853,7 +22853,7 @@
         <p:spPr>
           <a:xfrm>
             <a:off x="696312" y="1645919"/>
-            <a:ext cx="2691323" cy="1169551"/>
+            <a:ext cx="2691323" cy="1384995"/>
           </a:xfrm>
           <a:prstGeom prst="rect">
             <a:avLst/>
@@ -22872,7 +22872,23 @@
                 <a:ea typeface="Verdana" panose="020B0604030504040204" pitchFamily="34" charset="0"/>
                 <a:cs typeface="Verdana" panose="020B0604030504040204" pitchFamily="34" charset="0"/>
               </a:rPr>
-              <a:t>Pour isoler les services au sein des bâtiments, nous avons du les séparer dans des sous-réseau virtuelles, voilà leurs noms :</a:t>
+              <a:t>Pour isoler les services au sein des bâtiments, nous avons du les séparer dans des sous-réseau </a:t>
+            </a:r>
+            <a:r>
+              <a:rPr lang="fr-FR" sz="1400" dirty="0" err="1">
+                <a:latin typeface="Verdana" panose="020B0604030504040204" pitchFamily="34" charset="0"/>
+                <a:ea typeface="Verdana" panose="020B0604030504040204" pitchFamily="34" charset="0"/>
+                <a:cs typeface="Verdana" panose="020B0604030504040204" pitchFamily="34" charset="0"/>
+              </a:rPr>
+              <a:t>virtuels,dont</a:t>
+            </a:r>
+            <a:r>
+              <a:rPr lang="fr-FR" sz="1400" dirty="0">
+                <a:latin typeface="Verdana" panose="020B0604030504040204" pitchFamily="34" charset="0"/>
+                <a:ea typeface="Verdana" panose="020B0604030504040204" pitchFamily="34" charset="0"/>
+                <a:cs typeface="Verdana" panose="020B0604030504040204" pitchFamily="34" charset="0"/>
+              </a:rPr>
+              <a:t> voilà leurs noms :</a:t>
             </a:r>
           </a:p>
         </p:txBody>
@@ -24444,7 +24460,7 @@
                 <a:ea typeface="Verdana" panose="020B0604030504040204" pitchFamily="34" charset="0"/>
                 <a:cs typeface="Verdana" panose="020B0604030504040204" pitchFamily="34" charset="0"/>
               </a:rPr>
-              <a:t>Le protocole VTP sert à combiner deux liens en un seul qui sert pour la redondance: </a:t>
+              <a:t>Le protocole LACP sert à combiner deux liens en un seul qui sert pour la redondance: </a:t>
             </a:r>
           </a:p>
         </p:txBody>

--- a/présentation Projet.pptx
+++ b/présentation Projet.pptx
@@ -10163,8 +10163,8 @@
         </p:blipFill>
         <p:spPr bwMode="auto">
           <a:xfrm>
-            <a:off x="4822752" y="1983810"/>
-            <a:ext cx="3045342" cy="1776450"/>
+            <a:off x="4937052" y="2288609"/>
+            <a:ext cx="4321248" cy="2520729"/>
           </a:xfrm>
           <a:prstGeom prst="rect">
             <a:avLst/>
@@ -10181,338 +10181,6 @@
           </a:extLst>
         </p:spPr>
       </p:pic>
-      <p:sp>
-        <p:nvSpPr>
-          <p:cNvPr id="12" name="ZoneTexte 11">
-            <a:extLst>
-              <a:ext uri="{FF2B5EF4-FFF2-40B4-BE49-F238E27FC236}">
-                <a16:creationId xmlns:a16="http://schemas.microsoft.com/office/drawing/2014/main" id="{36717CE6-13B4-4A38-A58B-143A679EF872}"/>
-              </a:ext>
-            </a:extLst>
-          </p:cNvPr>
-          <p:cNvSpPr txBox="1"/>
-          <p:nvPr/>
-        </p:nvSpPr>
-        <p:spPr>
-          <a:xfrm>
-            <a:off x="1297366" y="4400239"/>
-            <a:ext cx="2691323" cy="1384995"/>
-          </a:xfrm>
-          <a:prstGeom prst="rect">
-            <a:avLst/>
-          </a:prstGeom>
-          <a:noFill/>
-        </p:spPr>
-        <p:txBody>
-          <a:bodyPr wrap="square" rtlCol="0">
-            <a:spAutoFit/>
-          </a:bodyPr>
-          <a:lstStyle/>
-          <a:p>
-            <a:r>
-              <a:rPr lang="fr-FR" sz="1400" dirty="0">
-                <a:latin typeface="Verdana" panose="020B0604030504040204" pitchFamily="34" charset="0"/>
-                <a:ea typeface="Verdana" panose="020B0604030504040204" pitchFamily="34" charset="0"/>
-                <a:cs typeface="Verdana" panose="020B0604030504040204" pitchFamily="34" charset="0"/>
-              </a:rPr>
-              <a:t>Pare-feu </a:t>
-            </a:r>
-            <a:r>
-              <a:rPr lang="fr-FR" sz="1400" dirty="0">
-                <a:latin typeface="Verdana" panose="020B0604030504040204" pitchFamily="34" charset="0"/>
-                <a:ea typeface="Verdana" panose="020B0604030504040204" pitchFamily="34" charset="0"/>
-              </a:rPr>
-              <a:t>est un appareil de protection du réseau qui surveille le trafic entrant et sortant et décide de l’autoriser ou de le bloquer :</a:t>
-            </a:r>
-          </a:p>
-        </p:txBody>
-      </p:sp>
-      <p:pic>
-        <p:nvPicPr>
-          <p:cNvPr id="3078" name="Picture 6" descr="what-is-firewall_ngfw">
-            <a:extLst>
-              <a:ext uri="{FF2B5EF4-FFF2-40B4-BE49-F238E27FC236}">
-                <a16:creationId xmlns:a16="http://schemas.microsoft.com/office/drawing/2014/main" id="{5A7A5415-D5C0-4AE4-B987-13E9FFDE9298}"/>
-              </a:ext>
-            </a:extLst>
-          </p:cNvPr>
-          <p:cNvPicPr>
-            <a:picLocks noChangeAspect="1" noChangeArrowheads="1"/>
-          </p:cNvPicPr>
-          <p:nvPr/>
-        </p:nvPicPr>
-        <p:blipFill>
-          <a:blip r:embed="rId3">
-            <a:extLst>
-              <a:ext uri="{28A0092B-C50C-407E-A947-70E740481C1C}">
-                <a14:useLocalDpi xmlns:a14="http://schemas.microsoft.com/office/drawing/2010/main" val="0"/>
-              </a:ext>
-            </a:extLst>
-          </a:blip>
-          <a:srcRect/>
-          <a:stretch>
-            <a:fillRect/>
-          </a:stretch>
-        </p:blipFill>
-        <p:spPr bwMode="auto">
-          <a:xfrm>
-            <a:off x="5184259" y="3933906"/>
-            <a:ext cx="2322328" cy="1548219"/>
-          </a:xfrm>
-          <a:prstGeom prst="rect">
-            <a:avLst/>
-          </a:prstGeom>
-          <a:noFill/>
-          <a:extLst>
-            <a:ext uri="{909E8E84-426E-40DD-AFC4-6F175D3DCCD1}">
-              <a14:hiddenFill xmlns:a14="http://schemas.microsoft.com/office/drawing/2010/main">
-                <a:solidFill>
-                  <a:srgbClr val="FFFFFF"/>
-                </a:solidFill>
-              </a14:hiddenFill>
-            </a:ext>
-          </a:extLst>
-        </p:spPr>
-      </p:pic>
-      <p:pic>
-        <p:nvPicPr>
-          <p:cNvPr id="11" name="Image 10">
-            <a:extLst>
-              <a:ext uri="{FF2B5EF4-FFF2-40B4-BE49-F238E27FC236}">
-                <a16:creationId xmlns:a16="http://schemas.microsoft.com/office/drawing/2014/main" id="{C3DF14F4-8F7F-44ED-A2C0-CB18EC385214}"/>
-              </a:ext>
-            </a:extLst>
-          </p:cNvPr>
-          <p:cNvPicPr>
-            <a:picLocks noChangeAspect="1"/>
-          </p:cNvPicPr>
-          <p:nvPr/>
-        </p:nvPicPr>
-        <p:blipFill>
-          <a:blip r:embed="rId4"/>
-          <a:stretch>
-            <a:fillRect/>
-          </a:stretch>
-        </p:blipFill>
-        <p:spPr>
-          <a:xfrm>
-            <a:off x="9314564" y="4457863"/>
-            <a:ext cx="660400" cy="711200"/>
-          </a:xfrm>
-          <a:prstGeom prst="rect">
-            <a:avLst/>
-          </a:prstGeom>
-        </p:spPr>
-      </p:pic>
-      <p:pic>
-        <p:nvPicPr>
-          <p:cNvPr id="16" name="Image 15">
-            <a:extLst>
-              <a:ext uri="{FF2B5EF4-FFF2-40B4-BE49-F238E27FC236}">
-                <a16:creationId xmlns:a16="http://schemas.microsoft.com/office/drawing/2014/main" id="{6EBCA2C4-E304-4DEA-83C3-10A4D6A357C4}"/>
-              </a:ext>
-            </a:extLst>
-          </p:cNvPr>
-          <p:cNvPicPr>
-            <a:picLocks noChangeAspect="1"/>
-          </p:cNvPicPr>
-          <p:nvPr/>
-        </p:nvPicPr>
-        <p:blipFill>
-          <a:blip r:embed="rId5"/>
-          <a:stretch>
-            <a:fillRect/>
-          </a:stretch>
-        </p:blipFill>
-        <p:spPr>
-          <a:xfrm>
-            <a:off x="7836787" y="4546763"/>
-            <a:ext cx="660400" cy="533400"/>
-          </a:xfrm>
-          <a:prstGeom prst="rect">
-            <a:avLst/>
-          </a:prstGeom>
-        </p:spPr>
-      </p:pic>
-      <p:pic>
-        <p:nvPicPr>
-          <p:cNvPr id="17" name="Image 16">
-            <a:extLst>
-              <a:ext uri="{FF2B5EF4-FFF2-40B4-BE49-F238E27FC236}">
-                <a16:creationId xmlns:a16="http://schemas.microsoft.com/office/drawing/2014/main" id="{62E58560-0EDA-4B6D-9C44-08BB0A166267}"/>
-              </a:ext>
-            </a:extLst>
-          </p:cNvPr>
-          <p:cNvPicPr>
-            <a:picLocks noChangeAspect="1"/>
-          </p:cNvPicPr>
-          <p:nvPr/>
-        </p:nvPicPr>
-        <p:blipFill rotWithShape="1">
-          <a:blip r:embed="rId6"/>
-          <a:srcRect t="20704" r="28451"/>
-          <a:stretch/>
-        </p:blipFill>
-        <p:spPr>
-          <a:xfrm>
-            <a:off x="10308901" y="4655853"/>
-            <a:ext cx="568841" cy="315219"/>
-          </a:xfrm>
-          <a:prstGeom prst="rect">
-            <a:avLst/>
-          </a:prstGeom>
-        </p:spPr>
-      </p:pic>
-      <p:pic>
-        <p:nvPicPr>
-          <p:cNvPr id="19" name="Image 18">
-            <a:extLst>
-              <a:ext uri="{FF2B5EF4-FFF2-40B4-BE49-F238E27FC236}">
-                <a16:creationId xmlns:a16="http://schemas.microsoft.com/office/drawing/2014/main" id="{A9503880-A39F-4301-8850-8AF020E8D2C2}"/>
-              </a:ext>
-            </a:extLst>
-          </p:cNvPr>
-          <p:cNvPicPr>
-            <a:picLocks noChangeAspect="1"/>
-          </p:cNvPicPr>
-          <p:nvPr/>
-        </p:nvPicPr>
-        <p:blipFill>
-          <a:blip r:embed="rId5"/>
-          <a:stretch>
-            <a:fillRect/>
-          </a:stretch>
-        </p:blipFill>
-        <p:spPr>
-          <a:xfrm>
-            <a:off x="11452741" y="4546762"/>
-            <a:ext cx="660400" cy="533400"/>
-          </a:xfrm>
-          <a:prstGeom prst="rect">
-            <a:avLst/>
-          </a:prstGeom>
-        </p:spPr>
-      </p:pic>
-      <p:cxnSp>
-        <p:nvCxnSpPr>
-          <p:cNvPr id="20" name="Connecteur droit 19">
-            <a:extLst>
-              <a:ext uri="{FF2B5EF4-FFF2-40B4-BE49-F238E27FC236}">
-                <a16:creationId xmlns:a16="http://schemas.microsoft.com/office/drawing/2014/main" id="{A824D1CB-6344-410A-86FF-4869D62F24B1}"/>
-              </a:ext>
-            </a:extLst>
-          </p:cNvPr>
-          <p:cNvCxnSpPr>
-            <a:cxnSpLocks/>
-            <a:stCxn id="16" idx="3"/>
-            <a:endCxn id="11" idx="1"/>
-          </p:cNvCxnSpPr>
-          <p:nvPr/>
-        </p:nvCxnSpPr>
-        <p:spPr>
-          <a:xfrm>
-            <a:off x="8497187" y="4813463"/>
-            <a:ext cx="817377" cy="0"/>
-          </a:xfrm>
-          <a:prstGeom prst="line">
-            <a:avLst/>
-          </a:prstGeom>
-        </p:spPr>
-        <p:style>
-          <a:lnRef idx="3">
-            <a:schemeClr val="accent3"/>
-          </a:lnRef>
-          <a:fillRef idx="0">
-            <a:schemeClr val="accent3"/>
-          </a:fillRef>
-          <a:effectRef idx="2">
-            <a:schemeClr val="accent3"/>
-          </a:effectRef>
-          <a:fontRef idx="minor">
-            <a:schemeClr val="tx1"/>
-          </a:fontRef>
-        </p:style>
-      </p:cxnSp>
-      <p:cxnSp>
-        <p:nvCxnSpPr>
-          <p:cNvPr id="24" name="Connecteur droit 23">
-            <a:extLst>
-              <a:ext uri="{FF2B5EF4-FFF2-40B4-BE49-F238E27FC236}">
-                <a16:creationId xmlns:a16="http://schemas.microsoft.com/office/drawing/2014/main" id="{DE0EFC9B-6B48-4975-8AF8-7064E099531C}"/>
-              </a:ext>
-            </a:extLst>
-          </p:cNvPr>
-          <p:cNvCxnSpPr>
-            <a:cxnSpLocks/>
-            <a:stCxn id="17" idx="1"/>
-            <a:endCxn id="11" idx="3"/>
-          </p:cNvCxnSpPr>
-          <p:nvPr/>
-        </p:nvCxnSpPr>
-        <p:spPr>
-          <a:xfrm flipH="1">
-            <a:off x="9974964" y="4813463"/>
-            <a:ext cx="333937" cy="0"/>
-          </a:xfrm>
-          <a:prstGeom prst="line">
-            <a:avLst/>
-          </a:prstGeom>
-        </p:spPr>
-        <p:style>
-          <a:lnRef idx="3">
-            <a:schemeClr val="accent3"/>
-          </a:lnRef>
-          <a:fillRef idx="0">
-            <a:schemeClr val="accent3"/>
-          </a:fillRef>
-          <a:effectRef idx="2">
-            <a:schemeClr val="accent3"/>
-          </a:effectRef>
-          <a:fontRef idx="minor">
-            <a:schemeClr val="tx1"/>
-          </a:fontRef>
-        </p:style>
-      </p:cxnSp>
-      <p:cxnSp>
-        <p:nvCxnSpPr>
-          <p:cNvPr id="27" name="Connecteur droit 26">
-            <a:extLst>
-              <a:ext uri="{FF2B5EF4-FFF2-40B4-BE49-F238E27FC236}">
-                <a16:creationId xmlns:a16="http://schemas.microsoft.com/office/drawing/2014/main" id="{2F72CA7B-53F6-48D1-8C95-B699E7AB24E5}"/>
-              </a:ext>
-            </a:extLst>
-          </p:cNvPr>
-          <p:cNvCxnSpPr>
-            <a:cxnSpLocks/>
-            <a:stCxn id="19" idx="1"/>
-            <a:endCxn id="17" idx="3"/>
-          </p:cNvCxnSpPr>
-          <p:nvPr/>
-        </p:nvCxnSpPr>
-        <p:spPr>
-          <a:xfrm flipH="1">
-            <a:off x="10877742" y="4813462"/>
-            <a:ext cx="574999" cy="1"/>
-          </a:xfrm>
-          <a:prstGeom prst="line">
-            <a:avLst/>
-          </a:prstGeom>
-        </p:spPr>
-        <p:style>
-          <a:lnRef idx="3">
-            <a:schemeClr val="accent3"/>
-          </a:lnRef>
-          <a:fillRef idx="0">
-            <a:schemeClr val="accent3"/>
-          </a:fillRef>
-          <a:effectRef idx="2">
-            <a:schemeClr val="accent3"/>
-          </a:effectRef>
-          <a:fontRef idx="minor">
-            <a:schemeClr val="tx1"/>
-          </a:fontRef>
-        </p:style>
-      </p:cxnSp>
     </p:spTree>
     <p:extLst>
       <p:ext uri="{BB962C8B-B14F-4D97-AF65-F5344CB8AC3E}">
@@ -10535,381 +10203,6 @@
       </p:transition>
     </mc:Fallback>
   </mc:AlternateContent>
-  <p:timing>
-    <p:tnLst>
-      <p:par>
-        <p:cTn id="1" dur="indefinite" restart="never" nodeType="tmRoot">
-          <p:childTnLst>
-            <p:seq concurrent="1" nextAc="seek">
-              <p:cTn id="2" dur="indefinite" nodeType="mainSeq">
-                <p:childTnLst>
-                  <p:par>
-                    <p:cTn id="3" fill="hold">
-                      <p:stCondLst>
-                        <p:cond delay="indefinite"/>
-                        <p:cond evt="onBegin" delay="0">
-                          <p:tn val="2"/>
-                        </p:cond>
-                      </p:stCondLst>
-                      <p:childTnLst>
-                        <p:par>
-                          <p:cTn id="4" fill="hold">
-                            <p:stCondLst>
-                              <p:cond delay="0"/>
-                            </p:stCondLst>
-                            <p:childTnLst>
-                              <p:par>
-                                <p:cTn id="5" presetID="53" presetClass="entr" presetSubtype="16" fill="hold" nodeType="withEffect">
-                                  <p:stCondLst>
-                                    <p:cond delay="0"/>
-                                  </p:stCondLst>
-                                  <p:childTnLst>
-                                    <p:set>
-                                      <p:cBhvr>
-                                        <p:cTn id="6" dur="1" fill="hold">
-                                          <p:stCondLst>
-                                            <p:cond delay="0"/>
-                                          </p:stCondLst>
-                                        </p:cTn>
-                                        <p:tgtEl>
-                                          <p:spTgt spid="17"/>
-                                        </p:tgtEl>
-                                        <p:attrNameLst>
-                                          <p:attrName>style.visibility</p:attrName>
-                                        </p:attrNameLst>
-                                      </p:cBhvr>
-                                      <p:to>
-                                        <p:strVal val="visible"/>
-                                      </p:to>
-                                    </p:set>
-                                    <p:anim calcmode="lin" valueType="num">
-                                      <p:cBhvr>
-                                        <p:cTn id="7" dur="500" fill="hold"/>
-                                        <p:tgtEl>
-                                          <p:spTgt spid="17"/>
-                                        </p:tgtEl>
-                                        <p:attrNameLst>
-                                          <p:attrName>ppt_w</p:attrName>
-                                        </p:attrNameLst>
-                                      </p:cBhvr>
-                                      <p:tavLst>
-                                        <p:tav tm="0">
-                                          <p:val>
-                                            <p:fltVal val="0"/>
-                                          </p:val>
-                                        </p:tav>
-                                        <p:tav tm="100000">
-                                          <p:val>
-                                            <p:strVal val="#ppt_w"/>
-                                          </p:val>
-                                        </p:tav>
-                                      </p:tavLst>
-                                    </p:anim>
-                                    <p:anim calcmode="lin" valueType="num">
-                                      <p:cBhvr>
-                                        <p:cTn id="8" dur="500" fill="hold"/>
-                                        <p:tgtEl>
-                                          <p:spTgt spid="17"/>
-                                        </p:tgtEl>
-                                        <p:attrNameLst>
-                                          <p:attrName>ppt_h</p:attrName>
-                                        </p:attrNameLst>
-                                      </p:cBhvr>
-                                      <p:tavLst>
-                                        <p:tav tm="0">
-                                          <p:val>
-                                            <p:fltVal val="0"/>
-                                          </p:val>
-                                        </p:tav>
-                                        <p:tav tm="100000">
-                                          <p:val>
-                                            <p:strVal val="#ppt_h"/>
-                                          </p:val>
-                                        </p:tav>
-                                      </p:tavLst>
-                                    </p:anim>
-                                    <p:animEffect transition="in" filter="fade">
-                                      <p:cBhvr>
-                                        <p:cTn id="9" dur="500"/>
-                                        <p:tgtEl>
-                                          <p:spTgt spid="17"/>
-                                        </p:tgtEl>
-                                      </p:cBhvr>
-                                    </p:animEffect>
-                                  </p:childTnLst>
-                                </p:cTn>
-                              </p:par>
-                              <p:par>
-                                <p:cTn id="10" presetID="53" presetClass="entr" presetSubtype="16" fill="hold" nodeType="withEffect">
-                                  <p:stCondLst>
-                                    <p:cond delay="0"/>
-                                  </p:stCondLst>
-                                  <p:childTnLst>
-                                    <p:set>
-                                      <p:cBhvr>
-                                        <p:cTn id="11" dur="1" fill="hold">
-                                          <p:stCondLst>
-                                            <p:cond delay="0"/>
-                                          </p:stCondLst>
-                                        </p:cTn>
-                                        <p:tgtEl>
-                                          <p:spTgt spid="20"/>
-                                        </p:tgtEl>
-                                        <p:attrNameLst>
-                                          <p:attrName>style.visibility</p:attrName>
-                                        </p:attrNameLst>
-                                      </p:cBhvr>
-                                      <p:to>
-                                        <p:strVal val="visible"/>
-                                      </p:to>
-                                    </p:set>
-                                    <p:anim calcmode="lin" valueType="num">
-                                      <p:cBhvr>
-                                        <p:cTn id="12" dur="500" fill="hold"/>
-                                        <p:tgtEl>
-                                          <p:spTgt spid="20"/>
-                                        </p:tgtEl>
-                                        <p:attrNameLst>
-                                          <p:attrName>ppt_w</p:attrName>
-                                        </p:attrNameLst>
-                                      </p:cBhvr>
-                                      <p:tavLst>
-                                        <p:tav tm="0">
-                                          <p:val>
-                                            <p:fltVal val="0"/>
-                                          </p:val>
-                                        </p:tav>
-                                        <p:tav tm="100000">
-                                          <p:val>
-                                            <p:strVal val="#ppt_w"/>
-                                          </p:val>
-                                        </p:tav>
-                                      </p:tavLst>
-                                    </p:anim>
-                                    <p:anim calcmode="lin" valueType="num">
-                                      <p:cBhvr>
-                                        <p:cTn id="13" dur="500" fill="hold"/>
-                                        <p:tgtEl>
-                                          <p:spTgt spid="20"/>
-                                        </p:tgtEl>
-                                        <p:attrNameLst>
-                                          <p:attrName>ppt_h</p:attrName>
-                                        </p:attrNameLst>
-                                      </p:cBhvr>
-                                      <p:tavLst>
-                                        <p:tav tm="0">
-                                          <p:val>
-                                            <p:fltVal val="0"/>
-                                          </p:val>
-                                        </p:tav>
-                                        <p:tav tm="100000">
-                                          <p:val>
-                                            <p:strVal val="#ppt_h"/>
-                                          </p:val>
-                                        </p:tav>
-                                      </p:tavLst>
-                                    </p:anim>
-                                    <p:animEffect transition="in" filter="fade">
-                                      <p:cBhvr>
-                                        <p:cTn id="14" dur="500"/>
-                                        <p:tgtEl>
-                                          <p:spTgt spid="20"/>
-                                        </p:tgtEl>
-                                      </p:cBhvr>
-                                    </p:animEffect>
-                                  </p:childTnLst>
-                                </p:cTn>
-                              </p:par>
-                              <p:par>
-                                <p:cTn id="15" presetID="53" presetClass="entr" presetSubtype="16" fill="hold" nodeType="withEffect">
-                                  <p:stCondLst>
-                                    <p:cond delay="0"/>
-                                  </p:stCondLst>
-                                  <p:childTnLst>
-                                    <p:set>
-                                      <p:cBhvr>
-                                        <p:cTn id="16" dur="1" fill="hold">
-                                          <p:stCondLst>
-                                            <p:cond delay="0"/>
-                                          </p:stCondLst>
-                                        </p:cTn>
-                                        <p:tgtEl>
-                                          <p:spTgt spid="24"/>
-                                        </p:tgtEl>
-                                        <p:attrNameLst>
-                                          <p:attrName>style.visibility</p:attrName>
-                                        </p:attrNameLst>
-                                      </p:cBhvr>
-                                      <p:to>
-                                        <p:strVal val="visible"/>
-                                      </p:to>
-                                    </p:set>
-                                    <p:anim calcmode="lin" valueType="num">
-                                      <p:cBhvr>
-                                        <p:cTn id="17" dur="500" fill="hold"/>
-                                        <p:tgtEl>
-                                          <p:spTgt spid="24"/>
-                                        </p:tgtEl>
-                                        <p:attrNameLst>
-                                          <p:attrName>ppt_w</p:attrName>
-                                        </p:attrNameLst>
-                                      </p:cBhvr>
-                                      <p:tavLst>
-                                        <p:tav tm="0">
-                                          <p:val>
-                                            <p:fltVal val="0"/>
-                                          </p:val>
-                                        </p:tav>
-                                        <p:tav tm="100000">
-                                          <p:val>
-                                            <p:strVal val="#ppt_w"/>
-                                          </p:val>
-                                        </p:tav>
-                                      </p:tavLst>
-                                    </p:anim>
-                                    <p:anim calcmode="lin" valueType="num">
-                                      <p:cBhvr>
-                                        <p:cTn id="18" dur="500" fill="hold"/>
-                                        <p:tgtEl>
-                                          <p:spTgt spid="24"/>
-                                        </p:tgtEl>
-                                        <p:attrNameLst>
-                                          <p:attrName>ppt_h</p:attrName>
-                                        </p:attrNameLst>
-                                      </p:cBhvr>
-                                      <p:tavLst>
-                                        <p:tav tm="0">
-                                          <p:val>
-                                            <p:fltVal val="0"/>
-                                          </p:val>
-                                        </p:tav>
-                                        <p:tav tm="100000">
-                                          <p:val>
-                                            <p:strVal val="#ppt_h"/>
-                                          </p:val>
-                                        </p:tav>
-                                      </p:tavLst>
-                                    </p:anim>
-                                    <p:animEffect transition="in" filter="fade">
-                                      <p:cBhvr>
-                                        <p:cTn id="19" dur="500"/>
-                                        <p:tgtEl>
-                                          <p:spTgt spid="24"/>
-                                        </p:tgtEl>
-                                      </p:cBhvr>
-                                    </p:animEffect>
-                                  </p:childTnLst>
-                                </p:cTn>
-                              </p:par>
-                              <p:par>
-                                <p:cTn id="20" presetID="53" presetClass="entr" presetSubtype="16" fill="hold" nodeType="withEffect">
-                                  <p:stCondLst>
-                                    <p:cond delay="0"/>
-                                  </p:stCondLst>
-                                  <p:childTnLst>
-                                    <p:set>
-                                      <p:cBhvr>
-                                        <p:cTn id="21" dur="1" fill="hold">
-                                          <p:stCondLst>
-                                            <p:cond delay="0"/>
-                                          </p:stCondLst>
-                                        </p:cTn>
-                                        <p:tgtEl>
-                                          <p:spTgt spid="27"/>
-                                        </p:tgtEl>
-                                        <p:attrNameLst>
-                                          <p:attrName>style.visibility</p:attrName>
-                                        </p:attrNameLst>
-                                      </p:cBhvr>
-                                      <p:to>
-                                        <p:strVal val="visible"/>
-                                      </p:to>
-                                    </p:set>
-                                    <p:anim calcmode="lin" valueType="num">
-                                      <p:cBhvr>
-                                        <p:cTn id="22" dur="500" fill="hold"/>
-                                        <p:tgtEl>
-                                          <p:spTgt spid="27"/>
-                                        </p:tgtEl>
-                                        <p:attrNameLst>
-                                          <p:attrName>ppt_w</p:attrName>
-                                        </p:attrNameLst>
-                                      </p:cBhvr>
-                                      <p:tavLst>
-                                        <p:tav tm="0">
-                                          <p:val>
-                                            <p:fltVal val="0"/>
-                                          </p:val>
-                                        </p:tav>
-                                        <p:tav tm="100000">
-                                          <p:val>
-                                            <p:strVal val="#ppt_w"/>
-                                          </p:val>
-                                        </p:tav>
-                                      </p:tavLst>
-                                    </p:anim>
-                                    <p:anim calcmode="lin" valueType="num">
-                                      <p:cBhvr>
-                                        <p:cTn id="23" dur="500" fill="hold"/>
-                                        <p:tgtEl>
-                                          <p:spTgt spid="27"/>
-                                        </p:tgtEl>
-                                        <p:attrNameLst>
-                                          <p:attrName>ppt_h</p:attrName>
-                                        </p:attrNameLst>
-                                      </p:cBhvr>
-                                      <p:tavLst>
-                                        <p:tav tm="0">
-                                          <p:val>
-                                            <p:fltVal val="0"/>
-                                          </p:val>
-                                        </p:tav>
-                                        <p:tav tm="100000">
-                                          <p:val>
-                                            <p:strVal val="#ppt_h"/>
-                                          </p:val>
-                                        </p:tav>
-                                      </p:tavLst>
-                                    </p:anim>
-                                    <p:animEffect transition="in" filter="fade">
-                                      <p:cBhvr>
-                                        <p:cTn id="24" dur="500"/>
-                                        <p:tgtEl>
-                                          <p:spTgt spid="27"/>
-                                        </p:tgtEl>
-                                      </p:cBhvr>
-                                    </p:animEffect>
-                                  </p:childTnLst>
-                                </p:cTn>
-                              </p:par>
-                            </p:childTnLst>
-                          </p:cTn>
-                        </p:par>
-                      </p:childTnLst>
-                    </p:cTn>
-                  </p:par>
-                </p:childTnLst>
-              </p:cTn>
-              <p:prevCondLst>
-                <p:cond evt="onPrev" delay="0">
-                  <p:tgtEl>
-                    <p:sldTgt/>
-                  </p:tgtEl>
-                </p:cond>
-              </p:prevCondLst>
-              <p:nextCondLst>
-                <p:cond evt="onNext" delay="0">
-                  <p:tgtEl>
-                    <p:sldTgt/>
-                  </p:tgtEl>
-                </p:cond>
-              </p:nextCondLst>
-            </p:seq>
-          </p:childTnLst>
-        </p:cTn>
-      </p:par>
-    </p:tnLst>
-  </p:timing>
 </p:sld>
 </file>
 

--- a/présentation Projet.pptx
+++ b/présentation Projet.pptx
@@ -7666,14 +7666,13 @@
           </p:cNvPr>
           <p:cNvCxnSpPr>
             <a:cxnSpLocks/>
-            <a:stCxn id="16" idx="2"/>
           </p:cNvCxnSpPr>
           <p:nvPr/>
         </p:nvCxnSpPr>
         <p:spPr>
           <a:xfrm>
-            <a:off x="3317968" y="5185363"/>
-            <a:ext cx="2320332" cy="1118242"/>
+            <a:off x="3317968" y="5174342"/>
+            <a:ext cx="2177957" cy="1024937"/>
           </a:xfrm>
           <a:prstGeom prst="line">
             <a:avLst/>
@@ -7715,7 +7714,7 @@
         <p:spPr>
           <a:xfrm>
             <a:off x="6095999" y="5952271"/>
-            <a:ext cx="0" cy="351334"/>
+            <a:ext cx="0" cy="258029"/>
           </a:xfrm>
           <a:prstGeom prst="line">
             <a:avLst/>
@@ -7756,8 +7755,8 @@
         </p:nvCxnSpPr>
         <p:spPr>
           <a:xfrm flipH="1">
-            <a:off x="7922171" y="5952272"/>
-            <a:ext cx="1835695" cy="351333"/>
+            <a:off x="8215314" y="5952272"/>
+            <a:ext cx="1542552" cy="258028"/>
           </a:xfrm>
           <a:prstGeom prst="line">
             <a:avLst/>
@@ -10013,6 +10012,753 @@
                       </p:childTnLst>
                     </p:cTn>
                   </p:par>
+                  <p:par>
+                    <p:cTn id="115" fill="hold">
+                      <p:stCondLst>
+                        <p:cond delay="indefinite"/>
+                      </p:stCondLst>
+                      <p:childTnLst>
+                        <p:par>
+                          <p:cTn id="116" fill="hold">
+                            <p:stCondLst>
+                              <p:cond delay="0"/>
+                            </p:stCondLst>
+                            <p:childTnLst>
+                              <p:par>
+                                <p:cTn id="117" presetID="53" presetClass="entr" presetSubtype="16" fill="hold" grpId="0" nodeType="clickEffect">
+                                  <p:stCondLst>
+                                    <p:cond delay="0"/>
+                                  </p:stCondLst>
+                                  <p:childTnLst>
+                                    <p:set>
+                                      <p:cBhvr>
+                                        <p:cTn id="118" dur="1" fill="hold">
+                                          <p:stCondLst>
+                                            <p:cond delay="0"/>
+                                          </p:stCondLst>
+                                        </p:cTn>
+                                        <p:tgtEl>
+                                          <p:spTgt spid="59"/>
+                                        </p:tgtEl>
+                                        <p:attrNameLst>
+                                          <p:attrName>style.visibility</p:attrName>
+                                        </p:attrNameLst>
+                                      </p:cBhvr>
+                                      <p:to>
+                                        <p:strVal val="visible"/>
+                                      </p:to>
+                                    </p:set>
+                                    <p:anim calcmode="lin" valueType="num">
+                                      <p:cBhvr>
+                                        <p:cTn id="119" dur="500" fill="hold"/>
+                                        <p:tgtEl>
+                                          <p:spTgt spid="59"/>
+                                        </p:tgtEl>
+                                        <p:attrNameLst>
+                                          <p:attrName>ppt_w</p:attrName>
+                                        </p:attrNameLst>
+                                      </p:cBhvr>
+                                      <p:tavLst>
+                                        <p:tav tm="0">
+                                          <p:val>
+                                            <p:fltVal val="0"/>
+                                          </p:val>
+                                        </p:tav>
+                                        <p:tav tm="100000">
+                                          <p:val>
+                                            <p:strVal val="#ppt_w"/>
+                                          </p:val>
+                                        </p:tav>
+                                      </p:tavLst>
+                                    </p:anim>
+                                    <p:anim calcmode="lin" valueType="num">
+                                      <p:cBhvr>
+                                        <p:cTn id="120" dur="500" fill="hold"/>
+                                        <p:tgtEl>
+                                          <p:spTgt spid="59"/>
+                                        </p:tgtEl>
+                                        <p:attrNameLst>
+                                          <p:attrName>ppt_h</p:attrName>
+                                        </p:attrNameLst>
+                                      </p:cBhvr>
+                                      <p:tavLst>
+                                        <p:tav tm="0">
+                                          <p:val>
+                                            <p:fltVal val="0"/>
+                                          </p:val>
+                                        </p:tav>
+                                        <p:tav tm="100000">
+                                          <p:val>
+                                            <p:strVal val="#ppt_h"/>
+                                          </p:val>
+                                        </p:tav>
+                                      </p:tavLst>
+                                    </p:anim>
+                                    <p:animEffect transition="in" filter="fade">
+                                      <p:cBhvr>
+                                        <p:cTn id="121" dur="500"/>
+                                        <p:tgtEl>
+                                          <p:spTgt spid="59"/>
+                                        </p:tgtEl>
+                                      </p:cBhvr>
+                                    </p:animEffect>
+                                  </p:childTnLst>
+                                </p:cTn>
+                              </p:par>
+                              <p:par>
+                                <p:cTn id="122" presetID="53" presetClass="entr" presetSubtype="16" fill="hold" grpId="0" nodeType="withEffect">
+                                  <p:stCondLst>
+                                    <p:cond delay="0"/>
+                                  </p:stCondLst>
+                                  <p:childTnLst>
+                                    <p:set>
+                                      <p:cBhvr>
+                                        <p:cTn id="123" dur="1" fill="hold">
+                                          <p:stCondLst>
+                                            <p:cond delay="0"/>
+                                          </p:stCondLst>
+                                        </p:cTn>
+                                        <p:tgtEl>
+                                          <p:spTgt spid="56"/>
+                                        </p:tgtEl>
+                                        <p:attrNameLst>
+                                          <p:attrName>style.visibility</p:attrName>
+                                        </p:attrNameLst>
+                                      </p:cBhvr>
+                                      <p:to>
+                                        <p:strVal val="visible"/>
+                                      </p:to>
+                                    </p:set>
+                                    <p:anim calcmode="lin" valueType="num">
+                                      <p:cBhvr>
+                                        <p:cTn id="124" dur="500" fill="hold"/>
+                                        <p:tgtEl>
+                                          <p:spTgt spid="56"/>
+                                        </p:tgtEl>
+                                        <p:attrNameLst>
+                                          <p:attrName>ppt_w</p:attrName>
+                                        </p:attrNameLst>
+                                      </p:cBhvr>
+                                      <p:tavLst>
+                                        <p:tav tm="0">
+                                          <p:val>
+                                            <p:fltVal val="0"/>
+                                          </p:val>
+                                        </p:tav>
+                                        <p:tav tm="100000">
+                                          <p:val>
+                                            <p:strVal val="#ppt_w"/>
+                                          </p:val>
+                                        </p:tav>
+                                      </p:tavLst>
+                                    </p:anim>
+                                    <p:anim calcmode="lin" valueType="num">
+                                      <p:cBhvr>
+                                        <p:cTn id="125" dur="500" fill="hold"/>
+                                        <p:tgtEl>
+                                          <p:spTgt spid="56"/>
+                                        </p:tgtEl>
+                                        <p:attrNameLst>
+                                          <p:attrName>ppt_h</p:attrName>
+                                        </p:attrNameLst>
+                                      </p:cBhvr>
+                                      <p:tavLst>
+                                        <p:tav tm="0">
+                                          <p:val>
+                                            <p:fltVal val="0"/>
+                                          </p:val>
+                                        </p:tav>
+                                        <p:tav tm="100000">
+                                          <p:val>
+                                            <p:strVal val="#ppt_h"/>
+                                          </p:val>
+                                        </p:tav>
+                                      </p:tavLst>
+                                    </p:anim>
+                                    <p:animEffect transition="in" filter="fade">
+                                      <p:cBhvr>
+                                        <p:cTn id="126" dur="500"/>
+                                        <p:tgtEl>
+                                          <p:spTgt spid="56"/>
+                                        </p:tgtEl>
+                                      </p:cBhvr>
+                                    </p:animEffect>
+                                  </p:childTnLst>
+                                </p:cTn>
+                              </p:par>
+                              <p:par>
+                                <p:cTn id="127" presetID="53" presetClass="entr" presetSubtype="16" fill="hold" grpId="0" nodeType="withEffect">
+                                  <p:stCondLst>
+                                    <p:cond delay="0"/>
+                                  </p:stCondLst>
+                                  <p:childTnLst>
+                                    <p:set>
+                                      <p:cBhvr>
+                                        <p:cTn id="128" dur="1" fill="hold">
+                                          <p:stCondLst>
+                                            <p:cond delay="0"/>
+                                          </p:stCondLst>
+                                        </p:cTn>
+                                        <p:tgtEl>
+                                          <p:spTgt spid="55"/>
+                                        </p:tgtEl>
+                                        <p:attrNameLst>
+                                          <p:attrName>style.visibility</p:attrName>
+                                        </p:attrNameLst>
+                                      </p:cBhvr>
+                                      <p:to>
+                                        <p:strVal val="visible"/>
+                                      </p:to>
+                                    </p:set>
+                                    <p:anim calcmode="lin" valueType="num">
+                                      <p:cBhvr>
+                                        <p:cTn id="129" dur="500" fill="hold"/>
+                                        <p:tgtEl>
+                                          <p:spTgt spid="55"/>
+                                        </p:tgtEl>
+                                        <p:attrNameLst>
+                                          <p:attrName>ppt_w</p:attrName>
+                                        </p:attrNameLst>
+                                      </p:cBhvr>
+                                      <p:tavLst>
+                                        <p:tav tm="0">
+                                          <p:val>
+                                            <p:fltVal val="0"/>
+                                          </p:val>
+                                        </p:tav>
+                                        <p:tav tm="100000">
+                                          <p:val>
+                                            <p:strVal val="#ppt_w"/>
+                                          </p:val>
+                                        </p:tav>
+                                      </p:tavLst>
+                                    </p:anim>
+                                    <p:anim calcmode="lin" valueType="num">
+                                      <p:cBhvr>
+                                        <p:cTn id="130" dur="500" fill="hold"/>
+                                        <p:tgtEl>
+                                          <p:spTgt spid="55"/>
+                                        </p:tgtEl>
+                                        <p:attrNameLst>
+                                          <p:attrName>ppt_h</p:attrName>
+                                        </p:attrNameLst>
+                                      </p:cBhvr>
+                                      <p:tavLst>
+                                        <p:tav tm="0">
+                                          <p:val>
+                                            <p:fltVal val="0"/>
+                                          </p:val>
+                                        </p:tav>
+                                        <p:tav tm="100000">
+                                          <p:val>
+                                            <p:strVal val="#ppt_h"/>
+                                          </p:val>
+                                        </p:tav>
+                                      </p:tavLst>
+                                    </p:anim>
+                                    <p:animEffect transition="in" filter="fade">
+                                      <p:cBhvr>
+                                        <p:cTn id="131" dur="500"/>
+                                        <p:tgtEl>
+                                          <p:spTgt spid="55"/>
+                                        </p:tgtEl>
+                                      </p:cBhvr>
+                                    </p:animEffect>
+                                  </p:childTnLst>
+                                </p:cTn>
+                              </p:par>
+                              <p:par>
+                                <p:cTn id="132" presetID="53" presetClass="entr" presetSubtype="16" fill="hold" grpId="0" nodeType="withEffect">
+                                  <p:stCondLst>
+                                    <p:cond delay="0"/>
+                                  </p:stCondLst>
+                                  <p:childTnLst>
+                                    <p:set>
+                                      <p:cBhvr>
+                                        <p:cTn id="133" dur="1" fill="hold">
+                                          <p:stCondLst>
+                                            <p:cond delay="0"/>
+                                          </p:stCondLst>
+                                        </p:cTn>
+                                        <p:tgtEl>
+                                          <p:spTgt spid="58"/>
+                                        </p:tgtEl>
+                                        <p:attrNameLst>
+                                          <p:attrName>style.visibility</p:attrName>
+                                        </p:attrNameLst>
+                                      </p:cBhvr>
+                                      <p:to>
+                                        <p:strVal val="visible"/>
+                                      </p:to>
+                                    </p:set>
+                                    <p:anim calcmode="lin" valueType="num">
+                                      <p:cBhvr>
+                                        <p:cTn id="134" dur="500" fill="hold"/>
+                                        <p:tgtEl>
+                                          <p:spTgt spid="58"/>
+                                        </p:tgtEl>
+                                        <p:attrNameLst>
+                                          <p:attrName>ppt_w</p:attrName>
+                                        </p:attrNameLst>
+                                      </p:cBhvr>
+                                      <p:tavLst>
+                                        <p:tav tm="0">
+                                          <p:val>
+                                            <p:fltVal val="0"/>
+                                          </p:val>
+                                        </p:tav>
+                                        <p:tav tm="100000">
+                                          <p:val>
+                                            <p:strVal val="#ppt_w"/>
+                                          </p:val>
+                                        </p:tav>
+                                      </p:tavLst>
+                                    </p:anim>
+                                    <p:anim calcmode="lin" valueType="num">
+                                      <p:cBhvr>
+                                        <p:cTn id="135" dur="500" fill="hold"/>
+                                        <p:tgtEl>
+                                          <p:spTgt spid="58"/>
+                                        </p:tgtEl>
+                                        <p:attrNameLst>
+                                          <p:attrName>ppt_h</p:attrName>
+                                        </p:attrNameLst>
+                                      </p:cBhvr>
+                                      <p:tavLst>
+                                        <p:tav tm="0">
+                                          <p:val>
+                                            <p:fltVal val="0"/>
+                                          </p:val>
+                                        </p:tav>
+                                        <p:tav tm="100000">
+                                          <p:val>
+                                            <p:strVal val="#ppt_h"/>
+                                          </p:val>
+                                        </p:tav>
+                                      </p:tavLst>
+                                    </p:anim>
+                                    <p:animEffect transition="in" filter="fade">
+                                      <p:cBhvr>
+                                        <p:cTn id="136" dur="500"/>
+                                        <p:tgtEl>
+                                          <p:spTgt spid="58"/>
+                                        </p:tgtEl>
+                                      </p:cBhvr>
+                                    </p:animEffect>
+                                  </p:childTnLst>
+                                </p:cTn>
+                              </p:par>
+                              <p:par>
+                                <p:cTn id="137" presetID="53" presetClass="entr" presetSubtype="16" fill="hold" grpId="0" nodeType="withEffect">
+                                  <p:stCondLst>
+                                    <p:cond delay="0"/>
+                                  </p:stCondLst>
+                                  <p:childTnLst>
+                                    <p:set>
+                                      <p:cBhvr>
+                                        <p:cTn id="138" dur="1" fill="hold">
+                                          <p:stCondLst>
+                                            <p:cond delay="0"/>
+                                          </p:stCondLst>
+                                        </p:cTn>
+                                        <p:tgtEl>
+                                          <p:spTgt spid="57"/>
+                                        </p:tgtEl>
+                                        <p:attrNameLst>
+                                          <p:attrName>style.visibility</p:attrName>
+                                        </p:attrNameLst>
+                                      </p:cBhvr>
+                                      <p:to>
+                                        <p:strVal val="visible"/>
+                                      </p:to>
+                                    </p:set>
+                                    <p:anim calcmode="lin" valueType="num">
+                                      <p:cBhvr>
+                                        <p:cTn id="139" dur="500" fill="hold"/>
+                                        <p:tgtEl>
+                                          <p:spTgt spid="57"/>
+                                        </p:tgtEl>
+                                        <p:attrNameLst>
+                                          <p:attrName>ppt_w</p:attrName>
+                                        </p:attrNameLst>
+                                      </p:cBhvr>
+                                      <p:tavLst>
+                                        <p:tav tm="0">
+                                          <p:val>
+                                            <p:fltVal val="0"/>
+                                          </p:val>
+                                        </p:tav>
+                                        <p:tav tm="100000">
+                                          <p:val>
+                                            <p:strVal val="#ppt_w"/>
+                                          </p:val>
+                                        </p:tav>
+                                      </p:tavLst>
+                                    </p:anim>
+                                    <p:anim calcmode="lin" valueType="num">
+                                      <p:cBhvr>
+                                        <p:cTn id="140" dur="500" fill="hold"/>
+                                        <p:tgtEl>
+                                          <p:spTgt spid="57"/>
+                                        </p:tgtEl>
+                                        <p:attrNameLst>
+                                          <p:attrName>ppt_h</p:attrName>
+                                        </p:attrNameLst>
+                                      </p:cBhvr>
+                                      <p:tavLst>
+                                        <p:tav tm="0">
+                                          <p:val>
+                                            <p:fltVal val="0"/>
+                                          </p:val>
+                                        </p:tav>
+                                        <p:tav tm="100000">
+                                          <p:val>
+                                            <p:strVal val="#ppt_h"/>
+                                          </p:val>
+                                        </p:tav>
+                                      </p:tavLst>
+                                    </p:anim>
+                                    <p:animEffect transition="in" filter="fade">
+                                      <p:cBhvr>
+                                        <p:cTn id="141" dur="500"/>
+                                        <p:tgtEl>
+                                          <p:spTgt spid="57"/>
+                                        </p:tgtEl>
+                                      </p:cBhvr>
+                                    </p:animEffect>
+                                  </p:childTnLst>
+                                </p:cTn>
+                              </p:par>
+                              <p:par>
+                                <p:cTn id="142" presetID="53" presetClass="entr" presetSubtype="16" fill="hold" grpId="0" nodeType="withEffect">
+                                  <p:stCondLst>
+                                    <p:cond delay="0"/>
+                                  </p:stCondLst>
+                                  <p:childTnLst>
+                                    <p:set>
+                                      <p:cBhvr>
+                                        <p:cTn id="143" dur="1" fill="hold">
+                                          <p:stCondLst>
+                                            <p:cond delay="0"/>
+                                          </p:stCondLst>
+                                        </p:cTn>
+                                        <p:tgtEl>
+                                          <p:spTgt spid="60"/>
+                                        </p:tgtEl>
+                                        <p:attrNameLst>
+                                          <p:attrName>style.visibility</p:attrName>
+                                        </p:attrNameLst>
+                                      </p:cBhvr>
+                                      <p:to>
+                                        <p:strVal val="visible"/>
+                                      </p:to>
+                                    </p:set>
+                                    <p:anim calcmode="lin" valueType="num">
+                                      <p:cBhvr>
+                                        <p:cTn id="144" dur="500" fill="hold"/>
+                                        <p:tgtEl>
+                                          <p:spTgt spid="60"/>
+                                        </p:tgtEl>
+                                        <p:attrNameLst>
+                                          <p:attrName>ppt_w</p:attrName>
+                                        </p:attrNameLst>
+                                      </p:cBhvr>
+                                      <p:tavLst>
+                                        <p:tav tm="0">
+                                          <p:val>
+                                            <p:fltVal val="0"/>
+                                          </p:val>
+                                        </p:tav>
+                                        <p:tav tm="100000">
+                                          <p:val>
+                                            <p:strVal val="#ppt_w"/>
+                                          </p:val>
+                                        </p:tav>
+                                      </p:tavLst>
+                                    </p:anim>
+                                    <p:anim calcmode="lin" valueType="num">
+                                      <p:cBhvr>
+                                        <p:cTn id="145" dur="500" fill="hold"/>
+                                        <p:tgtEl>
+                                          <p:spTgt spid="60"/>
+                                        </p:tgtEl>
+                                        <p:attrNameLst>
+                                          <p:attrName>ppt_h</p:attrName>
+                                        </p:attrNameLst>
+                                      </p:cBhvr>
+                                      <p:tavLst>
+                                        <p:tav tm="0">
+                                          <p:val>
+                                            <p:fltVal val="0"/>
+                                          </p:val>
+                                        </p:tav>
+                                        <p:tav tm="100000">
+                                          <p:val>
+                                            <p:strVal val="#ppt_h"/>
+                                          </p:val>
+                                        </p:tav>
+                                      </p:tavLst>
+                                    </p:anim>
+                                    <p:animEffect transition="in" filter="fade">
+                                      <p:cBhvr>
+                                        <p:cTn id="146" dur="500"/>
+                                        <p:tgtEl>
+                                          <p:spTgt spid="60"/>
+                                        </p:tgtEl>
+                                      </p:cBhvr>
+                                    </p:animEffect>
+                                  </p:childTnLst>
+                                </p:cTn>
+                              </p:par>
+                              <p:par>
+                                <p:cTn id="147" presetID="53" presetClass="entr" presetSubtype="16" fill="hold" grpId="0" nodeType="withEffect">
+                                  <p:stCondLst>
+                                    <p:cond delay="0"/>
+                                  </p:stCondLst>
+                                  <p:childTnLst>
+                                    <p:set>
+                                      <p:cBhvr>
+                                        <p:cTn id="148" dur="1" fill="hold">
+                                          <p:stCondLst>
+                                            <p:cond delay="0"/>
+                                          </p:stCondLst>
+                                        </p:cTn>
+                                        <p:tgtEl>
+                                          <p:spTgt spid="61"/>
+                                        </p:tgtEl>
+                                        <p:attrNameLst>
+                                          <p:attrName>style.visibility</p:attrName>
+                                        </p:attrNameLst>
+                                      </p:cBhvr>
+                                      <p:to>
+                                        <p:strVal val="visible"/>
+                                      </p:to>
+                                    </p:set>
+                                    <p:anim calcmode="lin" valueType="num">
+                                      <p:cBhvr>
+                                        <p:cTn id="149" dur="500" fill="hold"/>
+                                        <p:tgtEl>
+                                          <p:spTgt spid="61"/>
+                                        </p:tgtEl>
+                                        <p:attrNameLst>
+                                          <p:attrName>ppt_w</p:attrName>
+                                        </p:attrNameLst>
+                                      </p:cBhvr>
+                                      <p:tavLst>
+                                        <p:tav tm="0">
+                                          <p:val>
+                                            <p:fltVal val="0"/>
+                                          </p:val>
+                                        </p:tav>
+                                        <p:tav tm="100000">
+                                          <p:val>
+                                            <p:strVal val="#ppt_w"/>
+                                          </p:val>
+                                        </p:tav>
+                                      </p:tavLst>
+                                    </p:anim>
+                                    <p:anim calcmode="lin" valueType="num">
+                                      <p:cBhvr>
+                                        <p:cTn id="150" dur="500" fill="hold"/>
+                                        <p:tgtEl>
+                                          <p:spTgt spid="61"/>
+                                        </p:tgtEl>
+                                        <p:attrNameLst>
+                                          <p:attrName>ppt_h</p:attrName>
+                                        </p:attrNameLst>
+                                      </p:cBhvr>
+                                      <p:tavLst>
+                                        <p:tav tm="0">
+                                          <p:val>
+                                            <p:fltVal val="0"/>
+                                          </p:val>
+                                        </p:tav>
+                                        <p:tav tm="100000">
+                                          <p:val>
+                                            <p:strVal val="#ppt_h"/>
+                                          </p:val>
+                                        </p:tav>
+                                      </p:tavLst>
+                                    </p:anim>
+                                    <p:animEffect transition="in" filter="fade">
+                                      <p:cBhvr>
+                                        <p:cTn id="151" dur="500"/>
+                                        <p:tgtEl>
+                                          <p:spTgt spid="61"/>
+                                        </p:tgtEl>
+                                      </p:cBhvr>
+                                    </p:animEffect>
+                                  </p:childTnLst>
+                                </p:cTn>
+                              </p:par>
+                              <p:par>
+                                <p:cTn id="152" presetID="53" presetClass="entr" presetSubtype="16" fill="hold" grpId="0" nodeType="withEffect">
+                                  <p:stCondLst>
+                                    <p:cond delay="0"/>
+                                  </p:stCondLst>
+                                  <p:childTnLst>
+                                    <p:set>
+                                      <p:cBhvr>
+                                        <p:cTn id="153" dur="1" fill="hold">
+                                          <p:stCondLst>
+                                            <p:cond delay="0"/>
+                                          </p:stCondLst>
+                                        </p:cTn>
+                                        <p:tgtEl>
+                                          <p:spTgt spid="62"/>
+                                        </p:tgtEl>
+                                        <p:attrNameLst>
+                                          <p:attrName>style.visibility</p:attrName>
+                                        </p:attrNameLst>
+                                      </p:cBhvr>
+                                      <p:to>
+                                        <p:strVal val="visible"/>
+                                      </p:to>
+                                    </p:set>
+                                    <p:anim calcmode="lin" valueType="num">
+                                      <p:cBhvr>
+                                        <p:cTn id="154" dur="500" fill="hold"/>
+                                        <p:tgtEl>
+                                          <p:spTgt spid="62"/>
+                                        </p:tgtEl>
+                                        <p:attrNameLst>
+                                          <p:attrName>ppt_w</p:attrName>
+                                        </p:attrNameLst>
+                                      </p:cBhvr>
+                                      <p:tavLst>
+                                        <p:tav tm="0">
+                                          <p:val>
+                                            <p:fltVal val="0"/>
+                                          </p:val>
+                                        </p:tav>
+                                        <p:tav tm="100000">
+                                          <p:val>
+                                            <p:strVal val="#ppt_w"/>
+                                          </p:val>
+                                        </p:tav>
+                                      </p:tavLst>
+                                    </p:anim>
+                                    <p:anim calcmode="lin" valueType="num">
+                                      <p:cBhvr>
+                                        <p:cTn id="155" dur="500" fill="hold"/>
+                                        <p:tgtEl>
+                                          <p:spTgt spid="62"/>
+                                        </p:tgtEl>
+                                        <p:attrNameLst>
+                                          <p:attrName>ppt_h</p:attrName>
+                                        </p:attrNameLst>
+                                      </p:cBhvr>
+                                      <p:tavLst>
+                                        <p:tav tm="0">
+                                          <p:val>
+                                            <p:fltVal val="0"/>
+                                          </p:val>
+                                        </p:tav>
+                                        <p:tav tm="100000">
+                                          <p:val>
+                                            <p:strVal val="#ppt_h"/>
+                                          </p:val>
+                                        </p:tav>
+                                      </p:tavLst>
+                                    </p:anim>
+                                    <p:animEffect transition="in" filter="fade">
+                                      <p:cBhvr>
+                                        <p:cTn id="156" dur="500"/>
+                                        <p:tgtEl>
+                                          <p:spTgt spid="62"/>
+                                        </p:tgtEl>
+                                      </p:cBhvr>
+                                    </p:animEffect>
+                                  </p:childTnLst>
+                                </p:cTn>
+                              </p:par>
+                              <p:par>
+                                <p:cTn id="157" presetID="53" presetClass="entr" presetSubtype="16" fill="hold" grpId="0" nodeType="withEffect">
+                                  <p:stCondLst>
+                                    <p:cond delay="0"/>
+                                  </p:stCondLst>
+                                  <p:childTnLst>
+                                    <p:set>
+                                      <p:cBhvr>
+                                        <p:cTn id="158" dur="1" fill="hold">
+                                          <p:stCondLst>
+                                            <p:cond delay="0"/>
+                                          </p:stCondLst>
+                                        </p:cTn>
+                                        <p:tgtEl>
+                                          <p:spTgt spid="63"/>
+                                        </p:tgtEl>
+                                        <p:attrNameLst>
+                                          <p:attrName>style.visibility</p:attrName>
+                                        </p:attrNameLst>
+                                      </p:cBhvr>
+                                      <p:to>
+                                        <p:strVal val="visible"/>
+                                      </p:to>
+                                    </p:set>
+                                    <p:anim calcmode="lin" valueType="num">
+                                      <p:cBhvr>
+                                        <p:cTn id="159" dur="500" fill="hold"/>
+                                        <p:tgtEl>
+                                          <p:spTgt spid="63"/>
+                                        </p:tgtEl>
+                                        <p:attrNameLst>
+                                          <p:attrName>ppt_w</p:attrName>
+                                        </p:attrNameLst>
+                                      </p:cBhvr>
+                                      <p:tavLst>
+                                        <p:tav tm="0">
+                                          <p:val>
+                                            <p:fltVal val="0"/>
+                                          </p:val>
+                                        </p:tav>
+                                        <p:tav tm="100000">
+                                          <p:val>
+                                            <p:strVal val="#ppt_w"/>
+                                          </p:val>
+                                        </p:tav>
+                                      </p:tavLst>
+                                    </p:anim>
+                                    <p:anim calcmode="lin" valueType="num">
+                                      <p:cBhvr>
+                                        <p:cTn id="160" dur="500" fill="hold"/>
+                                        <p:tgtEl>
+                                          <p:spTgt spid="63"/>
+                                        </p:tgtEl>
+                                        <p:attrNameLst>
+                                          <p:attrName>ppt_h</p:attrName>
+                                        </p:attrNameLst>
+                                      </p:cBhvr>
+                                      <p:tavLst>
+                                        <p:tav tm="0">
+                                          <p:val>
+                                            <p:fltVal val="0"/>
+                                          </p:val>
+                                        </p:tav>
+                                        <p:tav tm="100000">
+                                          <p:val>
+                                            <p:strVal val="#ppt_h"/>
+                                          </p:val>
+                                        </p:tav>
+                                      </p:tavLst>
+                                    </p:anim>
+                                    <p:animEffect transition="in" filter="fade">
+                                      <p:cBhvr>
+                                        <p:cTn id="161" dur="500"/>
+                                        <p:tgtEl>
+                                          <p:spTgt spid="63"/>
+                                        </p:tgtEl>
+                                      </p:cBhvr>
+                                    </p:animEffect>
+                                  </p:childTnLst>
+                                </p:cTn>
+                              </p:par>
+                            </p:childTnLst>
+                          </p:cTn>
+                        </p:par>
+                      </p:childTnLst>
+                    </p:cTn>
+                  </p:par>
                 </p:childTnLst>
               </p:cTn>
               <p:prevCondLst>
@@ -10034,6 +10780,17 @@
         </p:cTn>
       </p:par>
     </p:tnLst>
+    <p:bldLst>
+      <p:bldP spid="55" grpId="0"/>
+      <p:bldP spid="56" grpId="0"/>
+      <p:bldP spid="57" grpId="0"/>
+      <p:bldP spid="58" grpId="0"/>
+      <p:bldP spid="59" grpId="0"/>
+      <p:bldP spid="60" grpId="0"/>
+      <p:bldP spid="61" grpId="0"/>
+      <p:bldP spid="62" grpId="0"/>
+      <p:bldP spid="63" grpId="0"/>
+    </p:bldLst>
   </p:timing>
 </p:sld>
 </file>
@@ -14202,6 +14959,168 @@
                                         <p:cTn id="79" dur="500"/>
                                         <p:tgtEl>
                                           <p:spTgt spid="22"/>
+                                        </p:tgtEl>
+                                      </p:cBhvr>
+                                    </p:animEffect>
+                                  </p:childTnLst>
+                                </p:cTn>
+                              </p:par>
+                              <p:par>
+                                <p:cTn id="80" presetID="53" presetClass="entr" presetSubtype="16" fill="hold" nodeType="withEffect">
+                                  <p:stCondLst>
+                                    <p:cond delay="0"/>
+                                  </p:stCondLst>
+                                  <p:childTnLst>
+                                    <p:set>
+                                      <p:cBhvr>
+                                        <p:cTn id="81" dur="1" fill="hold">
+                                          <p:stCondLst>
+                                            <p:cond delay="0"/>
+                                          </p:stCondLst>
+                                        </p:cTn>
+                                        <p:tgtEl>
+                                          <p:spTgt spid="30"/>
+                                        </p:tgtEl>
+                                        <p:attrNameLst>
+                                          <p:attrName>style.visibility</p:attrName>
+                                        </p:attrNameLst>
+                                      </p:cBhvr>
+                                      <p:to>
+                                        <p:strVal val="visible"/>
+                                      </p:to>
+                                    </p:set>
+                                    <p:anim calcmode="lin" valueType="num">
+                                      <p:cBhvr>
+                                        <p:cTn id="82" dur="500" fill="hold"/>
+                                        <p:tgtEl>
+                                          <p:spTgt spid="30"/>
+                                        </p:tgtEl>
+                                        <p:attrNameLst>
+                                          <p:attrName>ppt_w</p:attrName>
+                                        </p:attrNameLst>
+                                      </p:cBhvr>
+                                      <p:tavLst>
+                                        <p:tav tm="0">
+                                          <p:val>
+                                            <p:fltVal val="0"/>
+                                          </p:val>
+                                        </p:tav>
+                                        <p:tav tm="100000">
+                                          <p:val>
+                                            <p:strVal val="#ppt_w"/>
+                                          </p:val>
+                                        </p:tav>
+                                      </p:tavLst>
+                                    </p:anim>
+                                    <p:anim calcmode="lin" valueType="num">
+                                      <p:cBhvr>
+                                        <p:cTn id="83" dur="500" fill="hold"/>
+                                        <p:tgtEl>
+                                          <p:spTgt spid="30"/>
+                                        </p:tgtEl>
+                                        <p:attrNameLst>
+                                          <p:attrName>ppt_h</p:attrName>
+                                        </p:attrNameLst>
+                                      </p:cBhvr>
+                                      <p:tavLst>
+                                        <p:tav tm="0">
+                                          <p:val>
+                                            <p:fltVal val="0"/>
+                                          </p:val>
+                                        </p:tav>
+                                        <p:tav tm="100000">
+                                          <p:val>
+                                            <p:strVal val="#ppt_h"/>
+                                          </p:val>
+                                        </p:tav>
+                                      </p:tavLst>
+                                    </p:anim>
+                                    <p:animEffect transition="in" filter="fade">
+                                      <p:cBhvr>
+                                        <p:cTn id="84" dur="500"/>
+                                        <p:tgtEl>
+                                          <p:spTgt spid="30"/>
+                                        </p:tgtEl>
+                                      </p:cBhvr>
+                                    </p:animEffect>
+                                  </p:childTnLst>
+                                </p:cTn>
+                              </p:par>
+                              <p:par>
+                                <p:cTn id="85" presetID="53" presetClass="entr" presetSubtype="16" fill="hold" nodeType="withEffect">
+                                  <p:stCondLst>
+                                    <p:cond delay="0"/>
+                                  </p:stCondLst>
+                                  <p:childTnLst>
+                                    <p:set>
+                                      <p:cBhvr>
+                                        <p:cTn id="86" dur="1" fill="hold">
+                                          <p:stCondLst>
+                                            <p:cond delay="0"/>
+                                          </p:stCondLst>
+                                        </p:cTn>
+                                        <p:tgtEl>
+                                          <p:spTgt spid="35"/>
+                                        </p:tgtEl>
+                                        <p:attrNameLst>
+                                          <p:attrName>style.visibility</p:attrName>
+                                        </p:attrNameLst>
+                                      </p:cBhvr>
+                                      <p:to>
+                                        <p:strVal val="visible"/>
+                                      </p:to>
+                                    </p:set>
+                                    <p:anim calcmode="lin" valueType="num">
+                                      <p:cBhvr>
+                                        <p:cTn id="87" dur="500" fill="hold"/>
+                                        <p:tgtEl>
+                                          <p:spTgt spid="35"/>
+                                        </p:tgtEl>
+                                        <p:attrNameLst>
+                                          <p:attrName>ppt_w</p:attrName>
+                                        </p:attrNameLst>
+                                      </p:cBhvr>
+                                      <p:tavLst>
+                                        <p:tav tm="0">
+                                          <p:val>
+                                            <p:fltVal val="0"/>
+                                          </p:val>
+                                        </p:tav>
+                                        <p:tav tm="100000">
+                                          <p:val>
+                                            <p:strVal val="#ppt_w"/>
+                                          </p:val>
+                                        </p:tav>
+                                      </p:tavLst>
+                                    </p:anim>
+                                    <p:anim calcmode="lin" valueType="num">
+                                      <p:cBhvr>
+                                        <p:cTn id="88" dur="500" fill="hold"/>
+                                        <p:tgtEl>
+                                          <p:spTgt spid="35"/>
+                                        </p:tgtEl>
+                                        <p:attrNameLst>
+                                          <p:attrName>ppt_h</p:attrName>
+                                        </p:attrNameLst>
+                                      </p:cBhvr>
+                                      <p:tavLst>
+                                        <p:tav tm="0">
+                                          <p:val>
+                                            <p:fltVal val="0"/>
+                                          </p:val>
+                                        </p:tav>
+                                        <p:tav tm="100000">
+                                          <p:val>
+                                            <p:strVal val="#ppt_h"/>
+                                          </p:val>
+                                        </p:tav>
+                                      </p:tavLst>
+                                    </p:anim>
+                                    <p:animEffect transition="in" filter="fade">
+                                      <p:cBhvr>
+                                        <p:cTn id="89" dur="500"/>
+                                        <p:tgtEl>
+                                          <p:spTgt spid="35"/>
                                         </p:tgtEl>
                                       </p:cBhvr>
                                     </p:animEffect>
@@ -23965,15 +24884,33 @@
                                   </p:childTnLst>
                                 </p:cTn>
                               </p:par>
+                            </p:childTnLst>
+                          </p:cTn>
+                        </p:par>
+                      </p:childTnLst>
+                    </p:cTn>
+                  </p:par>
+                  <p:par>
+                    <p:cTn id="15" fill="hold">
+                      <p:stCondLst>
+                        <p:cond delay="indefinite"/>
+                      </p:stCondLst>
+                      <p:childTnLst>
+                        <p:par>
+                          <p:cTn id="16" fill="hold">
+                            <p:stCondLst>
+                              <p:cond delay="0"/>
+                            </p:stCondLst>
+                            <p:childTnLst>
                               <p:par>
-                                <p:cTn id="15" presetID="1" presetClass="entr" presetSubtype="0" fill="hold" nodeType="withEffect">
+                                <p:cTn id="17" presetID="1" presetClass="entr" presetSubtype="0" fill="hold" nodeType="clickEffect">
                                   <p:stCondLst>
                                     <p:cond delay="0"/>
                                   </p:stCondLst>
                                   <p:childTnLst>
                                     <p:set>
                                       <p:cBhvr>
-                                        <p:cTn id="16" dur="1" fill="hold">
+                                        <p:cTn id="18" dur="1" fill="hold">
                                           <p:stCondLst>
                                             <p:cond delay="0"/>
                                           </p:stCondLst>
@@ -23989,28 +24926,6 @@
                                         <p:strVal val="visible"/>
                                       </p:to>
                                     </p:set>
-                                  </p:childTnLst>
-                                </p:cTn>
-                              </p:par>
-                              <p:par>
-                                <p:cTn id="17" presetID="42" presetClass="path" presetSubtype="0" accel="50000" decel="50000" fill="hold" nodeType="withEffect">
-                                  <p:stCondLst>
-                                    <p:cond delay="0"/>
-                                  </p:stCondLst>
-                                  <p:childTnLst>
-                                    <p:animMotion origin="layout" path="M 4.16667E-6 4.81481E-6 L 0.23528 4.81481E-6 " pathEditMode="relative" rAng="0" ptsTypes="AA">
-                                      <p:cBhvr>
-                                        <p:cTn id="18" dur="2000" fill="hold"/>
-                                        <p:tgtEl>
-                                          <p:spTgt spid="12"/>
-                                        </p:tgtEl>
-                                        <p:attrNameLst>
-                                          <p:attrName>ppt_x</p:attrName>
-                                          <p:attrName>ppt_y</p:attrName>
-                                        </p:attrNameLst>
-                                      </p:cBhvr>
-                                      <p:rCtr x="11510" y="0"/>
-                                    </p:animMotion>
                                   </p:childTnLst>
                                 </p:cTn>
                               </p:par>
@@ -24041,15 +24956,55 @@
                                   </p:childTnLst>
                                 </p:cTn>
                               </p:par>
+                            </p:childTnLst>
+                          </p:cTn>
+                        </p:par>
+                      </p:childTnLst>
+                    </p:cTn>
+                  </p:par>
+                  <p:par>
+                    <p:cTn id="21" fill="hold">
+                      <p:stCondLst>
+                        <p:cond delay="indefinite"/>
+                      </p:stCondLst>
+                      <p:childTnLst>
+                        <p:par>
+                          <p:cTn id="22" fill="hold">
+                            <p:stCondLst>
+                              <p:cond delay="0"/>
+                            </p:stCondLst>
+                            <p:childTnLst>
                               <p:par>
-                                <p:cTn id="21" presetID="42" presetClass="path" presetSubtype="0" accel="50000" decel="50000" fill="hold" nodeType="withEffect">
+                                <p:cTn id="23" presetID="42" presetClass="path" presetSubtype="0" accel="50000" decel="50000" fill="hold" nodeType="clickEffect">
+                                  <p:stCondLst>
+                                    <p:cond delay="0"/>
+                                  </p:stCondLst>
+                                  <p:childTnLst>
+                                    <p:animMotion origin="layout" path="M 4.16667E-6 4.81481E-6 L 0.23528 4.81481E-6 " pathEditMode="relative" rAng="0" ptsTypes="AA">
+                                      <p:cBhvr>
+                                        <p:cTn id="24" dur="2000" fill="hold"/>
+                                        <p:tgtEl>
+                                          <p:spTgt spid="12"/>
+                                        </p:tgtEl>
+                                        <p:attrNameLst>
+                                          <p:attrName>ppt_x</p:attrName>
+                                          <p:attrName>ppt_y</p:attrName>
+                                        </p:attrNameLst>
+                                      </p:cBhvr>
+                                      <p:rCtr x="11510" y="0"/>
+                                    </p:animMotion>
+                                  </p:childTnLst>
+                                </p:cTn>
+                              </p:par>
+                              <p:par>
+                                <p:cTn id="25" presetID="42" presetClass="path" presetSubtype="0" accel="50000" decel="50000" fill="hold" nodeType="withEffect">
                                   <p:stCondLst>
                                     <p:cond delay="0"/>
                                   </p:stCondLst>
                                   <p:childTnLst>
                                     <p:animMotion origin="layout" path="M 4.58333E-6 3.33333E-6 L 0.23138 0.00277 " pathEditMode="relative" rAng="0" ptsTypes="AA">
                                       <p:cBhvr>
-                                        <p:cTn id="22" dur="2000" fill="hold"/>
+                                        <p:cTn id="26" dur="2000" fill="hold"/>
                                         <p:tgtEl>
                                           <p:spTgt spid="18"/>
                                         </p:tgtEl>
